--- a/Bias in Machine Learning.pptx
+++ b/Bias in Machine Learning.pptx
@@ -2269,7 +2269,7 @@
           <a:p>
             <a:fld id="{F8603CE1-EAD9-436A-A7C8-CB9C8BC82CBB}" type="datetimeFigureOut">
               <a:rPr lang="en-US" smtClean="0"/>
-              <a:t>7/26/2021</a:t>
+              <a:t>5/11/2022</a:t>
             </a:fld>
             <a:endParaRPr lang="en-US"/>
           </a:p>
@@ -2475,7 +2475,7 @@
           <a:p>
             <a:fld id="{F8603CE1-EAD9-436A-A7C8-CB9C8BC82CBB}" type="datetimeFigureOut">
               <a:rPr lang="en-US" smtClean="0"/>
-              <a:t>7/26/2021</a:t>
+              <a:t>5/11/2022</a:t>
             </a:fld>
             <a:endParaRPr lang="en-US"/>
           </a:p>
@@ -2729,7 +2729,7 @@
           <a:p>
             <a:fld id="{F8603CE1-EAD9-436A-A7C8-CB9C8BC82CBB}" type="datetimeFigureOut">
               <a:rPr lang="en-US" smtClean="0"/>
-              <a:t>7/26/2021</a:t>
+              <a:t>5/11/2022</a:t>
             </a:fld>
             <a:endParaRPr lang="en-US"/>
           </a:p>
@@ -2901,7 +2901,7 @@
           <a:p>
             <a:fld id="{F8603CE1-EAD9-436A-A7C8-CB9C8BC82CBB}" type="datetimeFigureOut">
               <a:rPr lang="en-US" smtClean="0"/>
-              <a:t>7/26/2021</a:t>
+              <a:t>5/11/2022</a:t>
             </a:fld>
             <a:endParaRPr lang="en-US"/>
           </a:p>
@@ -3243,7 +3243,7 @@
           <a:p>
             <a:fld id="{F8603CE1-EAD9-436A-A7C8-CB9C8BC82CBB}" type="datetimeFigureOut">
               <a:rPr lang="en-US" smtClean="0"/>
-              <a:t>7/26/2021</a:t>
+              <a:t>5/11/2022</a:t>
             </a:fld>
             <a:endParaRPr lang="en-US"/>
           </a:p>
@@ -3515,7 +3515,7 @@
           <a:p>
             <a:fld id="{F8603CE1-EAD9-436A-A7C8-CB9C8BC82CBB}" type="datetimeFigureOut">
               <a:rPr lang="en-US" smtClean="0"/>
-              <a:t>7/26/2021</a:t>
+              <a:t>5/11/2022</a:t>
             </a:fld>
             <a:endParaRPr lang="en-US"/>
           </a:p>
@@ -3891,7 +3891,7 @@
           <a:p>
             <a:fld id="{F8603CE1-EAD9-436A-A7C8-CB9C8BC82CBB}" type="datetimeFigureOut">
               <a:rPr lang="en-US" smtClean="0"/>
-              <a:t>7/26/2021</a:t>
+              <a:t>5/11/2022</a:t>
             </a:fld>
             <a:endParaRPr lang="en-US"/>
           </a:p>
@@ -4008,7 +4008,7 @@
           <a:p>
             <a:fld id="{F8603CE1-EAD9-436A-A7C8-CB9C8BC82CBB}" type="datetimeFigureOut">
               <a:rPr lang="en-US" smtClean="0"/>
-              <a:t>7/26/2021</a:t>
+              <a:t>5/11/2022</a:t>
             </a:fld>
             <a:endParaRPr lang="en-US"/>
           </a:p>
@@ -4179,7 +4179,7 @@
           <a:p>
             <a:fld id="{F8603CE1-EAD9-436A-A7C8-CB9C8BC82CBB}" type="datetimeFigureOut">
               <a:rPr lang="en-US" smtClean="0"/>
-              <a:t>7/26/2021</a:t>
+              <a:t>5/11/2022</a:t>
             </a:fld>
             <a:endParaRPr lang="en-US"/>
           </a:p>
@@ -4531,7 +4531,7 @@
           <a:p>
             <a:fld id="{F8603CE1-EAD9-436A-A7C8-CB9C8BC82CBB}" type="datetimeFigureOut">
               <a:rPr lang="en-US" smtClean="0"/>
-              <a:t>7/26/2021</a:t>
+              <a:t>5/11/2022</a:t>
             </a:fld>
             <a:endParaRPr lang="en-US"/>
           </a:p>
@@ -4911,7 +4911,7 @@
           <a:p>
             <a:fld id="{F8603CE1-EAD9-436A-A7C8-CB9C8BC82CBB}" type="datetimeFigureOut">
               <a:rPr lang="en-US" smtClean="0"/>
-              <a:t>7/26/2021</a:t>
+              <a:t>5/11/2022</a:t>
             </a:fld>
             <a:endParaRPr lang="en-US"/>
           </a:p>
@@ -5196,7 +5196,7 @@
           <a:p>
             <a:fld id="{F8603CE1-EAD9-436A-A7C8-CB9C8BC82CBB}" type="datetimeFigureOut">
               <a:rPr lang="en-US" smtClean="0"/>
-              <a:t>7/26/2021</a:t>
+              <a:t>5/11/2022</a:t>
             </a:fld>
             <a:endParaRPr lang="en-US"/>
           </a:p>
@@ -5770,22 +5770,14 @@
           <a:lstStyle/>
           <a:p>
             <a:r>
-              <a:rPr lang="en-US"/>
-              <a:t>Udi </a:t>
-            </a:r>
-            <a:r>
-              <a:rPr lang="en-US" err="1"/>
-              <a:t>rubin</a:t>
-            </a:r>
-            <a:r>
-              <a:rPr lang="en-US"/>
-              <a:t> and Bogdan </a:t>
-            </a:r>
-            <a:r>
-              <a:rPr lang="en-US" err="1"/>
+              <a:rPr lang="en-US" dirty="0"/>
+              <a:t>Bogdan </a:t>
+            </a:r>
+            <a:r>
+              <a:rPr lang="en-US" dirty="0" err="1"/>
               <a:t>loukanov</a:t>
             </a:r>
-            <a:endParaRPr lang="en-US"/>
+            <a:endParaRPr lang="en-US" dirty="0"/>
           </a:p>
         </p:txBody>
       </p:sp>
@@ -8411,21 +8403,6 @@
 </file>
 
 <file path=customXml/item1.xml><?xml version="1.0" encoding="utf-8"?>
-<?mso-contentType ?>
-<FormTemplates xmlns="http://schemas.microsoft.com/sharepoint/v3/contenttype/forms">
-  <Display>DocumentLibraryForm</Display>
-  <Edit>DocumentLibraryForm</Edit>
-  <New>DocumentLibraryForm</New>
-</FormTemplates>
-</file>
-
-<file path=customXml/item2.xml><?xml version="1.0" encoding="utf-8"?>
-<p:properties xmlns:p="http://schemas.microsoft.com/office/2006/metadata/properties" xmlns:xsi="http://www.w3.org/2001/XMLSchema-instance" xmlns:pc="http://schemas.microsoft.com/office/infopath/2007/PartnerControls">
-  <documentManagement/>
-</p:properties>
-</file>
-
-<file path=customXml/item3.xml><?xml version="1.0" encoding="utf-8"?>
 <ct:contentTypeSchema xmlns:ct="http://schemas.microsoft.com/office/2006/metadata/contentType" xmlns:ma="http://schemas.microsoft.com/office/2006/metadata/properties/metaAttributes" ct:_="" ma:_="" ma:contentTypeName="Document" ma:contentTypeID="0x01010004728441E46AD34E893E98B9B1F408AC" ma:contentTypeVersion="4" ma:contentTypeDescription="Create a new document." ma:contentTypeScope="" ma:versionID="c6d882db35c5d1ad69bc35ed2839cb9c">
   <xsd:schema xmlns:xsd="http://www.w3.org/2001/XMLSchema" xmlns:xs="http://www.w3.org/2001/XMLSchema" xmlns:p="http://schemas.microsoft.com/office/2006/metadata/properties" xmlns:ns2="b7ebe116-cc26-4e4a-8a13-a2ce3765e708" targetNamespace="http://schemas.microsoft.com/office/2006/metadata/properties" ma:root="true" ma:fieldsID="3c1729a61f77ed2df559a7ab80dd04a7" ns2:_="">
     <xsd:import namespace="b7ebe116-cc26-4e4a-8a13-a2ce3765e708"/>
@@ -8571,10 +8548,35 @@
 </ct:contentTypeSchema>
 </file>
 
+<file path=customXml/item2.xml><?xml version="1.0" encoding="utf-8"?>
+<p:properties xmlns:p="http://schemas.microsoft.com/office/2006/metadata/properties" xmlns:xsi="http://www.w3.org/2001/XMLSchema-instance" xmlns:pc="http://schemas.microsoft.com/office/infopath/2007/PartnerControls">
+  <documentManagement/>
+</p:properties>
+</file>
+
+<file path=customXml/item3.xml><?xml version="1.0" encoding="utf-8"?>
+<?mso-contentType ?>
+<FormTemplates xmlns="http://schemas.microsoft.com/sharepoint/v3/contenttype/forms">
+  <Display>DocumentLibraryForm</Display>
+  <Edit>DocumentLibraryForm</Edit>
+  <New>DocumentLibraryForm</New>
+</FormTemplates>
+</file>
+
 <file path=customXml/itemProps1.xml><?xml version="1.0" encoding="utf-8"?>
-<ds:datastoreItem xmlns:ds="http://schemas.openxmlformats.org/officeDocument/2006/customXml" ds:itemID="{53CFDCF1-AF7D-4444-93AA-843B4B59B525}">
+<ds:datastoreItem xmlns:ds="http://schemas.openxmlformats.org/officeDocument/2006/customXml" ds:itemID="{80D8A01E-2648-487C-9215-A9E97E315701}">
   <ds:schemaRefs>
-    <ds:schemaRef ds:uri="http://schemas.microsoft.com/sharepoint/v3/contenttype/forms"/>
+    <ds:schemaRef ds:uri="b7ebe116-cc26-4e4a-8a13-a2ce3765e708"/>
+    <ds:schemaRef ds:uri="http://purl.org/dc/elements/1.1/"/>
+    <ds:schemaRef ds:uri="http://purl.org/dc/terms/"/>
+    <ds:schemaRef ds:uri="http://schemas.microsoft.com/internal/obd"/>
+    <ds:schemaRef ds:uri="http://schemas.microsoft.com/office/2006/documentManagement/types"/>
+    <ds:schemaRef ds:uri="http://schemas.microsoft.com/office/2006/metadata/contentType"/>
+    <ds:schemaRef ds:uri="http://schemas.microsoft.com/office/2006/metadata/properties"/>
+    <ds:schemaRef ds:uri="http://schemas.microsoft.com/office/2006/metadata/properties/metaAttributes"/>
+    <ds:schemaRef ds:uri="http://schemas.microsoft.com/office/infopath/2007/PartnerControls"/>
+    <ds:schemaRef ds:uri="http://schemas.openxmlformats.org/package/2006/metadata/core-properties"/>
+    <ds:schemaRef ds:uri="http://www.w3.org/2001/XMLSchema"/>
   </ds:schemaRefs>
 </ds:datastoreItem>
 </file>
@@ -8596,19 +8598,9 @@
 </file>
 
 <file path=customXml/itemProps3.xml><?xml version="1.0" encoding="utf-8"?>
-<ds:datastoreItem xmlns:ds="http://schemas.openxmlformats.org/officeDocument/2006/customXml" ds:itemID="{80D8A01E-2648-487C-9215-A9E97E315701}">
+<ds:datastoreItem xmlns:ds="http://schemas.openxmlformats.org/officeDocument/2006/customXml" ds:itemID="{53CFDCF1-AF7D-4444-93AA-843B4B59B525}">
   <ds:schemaRefs>
-    <ds:schemaRef ds:uri="b7ebe116-cc26-4e4a-8a13-a2ce3765e708"/>
-    <ds:schemaRef ds:uri="http://purl.org/dc/elements/1.1/"/>
-    <ds:schemaRef ds:uri="http://purl.org/dc/terms/"/>
-    <ds:schemaRef ds:uri="http://schemas.microsoft.com/internal/obd"/>
-    <ds:schemaRef ds:uri="http://schemas.microsoft.com/office/2006/documentManagement/types"/>
-    <ds:schemaRef ds:uri="http://schemas.microsoft.com/office/2006/metadata/contentType"/>
-    <ds:schemaRef ds:uri="http://schemas.microsoft.com/office/2006/metadata/properties"/>
-    <ds:schemaRef ds:uri="http://schemas.microsoft.com/office/2006/metadata/properties/metaAttributes"/>
-    <ds:schemaRef ds:uri="http://schemas.microsoft.com/office/infopath/2007/PartnerControls"/>
-    <ds:schemaRef ds:uri="http://schemas.openxmlformats.org/package/2006/metadata/core-properties"/>
-    <ds:schemaRef ds:uri="http://www.w3.org/2001/XMLSchema"/>
+    <ds:schemaRef ds:uri="http://schemas.microsoft.com/sharepoint/v3/contenttype/forms"/>
   </ds:schemaRefs>
 </ds:datastoreItem>
 </file>
--- a/Bias in Machine Learning.pptx
+++ b/Bias in Machine Learning.pptx
@@ -2269,7 +2269,7 @@
           <a:p>
             <a:fld id="{F8603CE1-EAD9-436A-A7C8-CB9C8BC82CBB}" type="datetimeFigureOut">
               <a:rPr lang="en-US" smtClean="0"/>
-              <a:t>5/11/2022</a:t>
+              <a:t>7/7/2022</a:t>
             </a:fld>
             <a:endParaRPr lang="en-US"/>
           </a:p>
@@ -2475,7 +2475,7 @@
           <a:p>
             <a:fld id="{F8603CE1-EAD9-436A-A7C8-CB9C8BC82CBB}" type="datetimeFigureOut">
               <a:rPr lang="en-US" smtClean="0"/>
-              <a:t>5/11/2022</a:t>
+              <a:t>7/7/2022</a:t>
             </a:fld>
             <a:endParaRPr lang="en-US"/>
           </a:p>
@@ -2729,7 +2729,7 @@
           <a:p>
             <a:fld id="{F8603CE1-EAD9-436A-A7C8-CB9C8BC82CBB}" type="datetimeFigureOut">
               <a:rPr lang="en-US" smtClean="0"/>
-              <a:t>5/11/2022</a:t>
+              <a:t>7/7/2022</a:t>
             </a:fld>
             <a:endParaRPr lang="en-US"/>
           </a:p>
@@ -2901,7 +2901,7 @@
           <a:p>
             <a:fld id="{F8603CE1-EAD9-436A-A7C8-CB9C8BC82CBB}" type="datetimeFigureOut">
               <a:rPr lang="en-US" smtClean="0"/>
-              <a:t>5/11/2022</a:t>
+              <a:t>7/7/2022</a:t>
             </a:fld>
             <a:endParaRPr lang="en-US"/>
           </a:p>
@@ -3243,7 +3243,7 @@
           <a:p>
             <a:fld id="{F8603CE1-EAD9-436A-A7C8-CB9C8BC82CBB}" type="datetimeFigureOut">
               <a:rPr lang="en-US" smtClean="0"/>
-              <a:t>5/11/2022</a:t>
+              <a:t>7/7/2022</a:t>
             </a:fld>
             <a:endParaRPr lang="en-US"/>
           </a:p>
@@ -3515,7 +3515,7 @@
           <a:p>
             <a:fld id="{F8603CE1-EAD9-436A-A7C8-CB9C8BC82CBB}" type="datetimeFigureOut">
               <a:rPr lang="en-US" smtClean="0"/>
-              <a:t>5/11/2022</a:t>
+              <a:t>7/7/2022</a:t>
             </a:fld>
             <a:endParaRPr lang="en-US"/>
           </a:p>
@@ -3891,7 +3891,7 @@
           <a:p>
             <a:fld id="{F8603CE1-EAD9-436A-A7C8-CB9C8BC82CBB}" type="datetimeFigureOut">
               <a:rPr lang="en-US" smtClean="0"/>
-              <a:t>5/11/2022</a:t>
+              <a:t>7/7/2022</a:t>
             </a:fld>
             <a:endParaRPr lang="en-US"/>
           </a:p>
@@ -4008,7 +4008,7 @@
           <a:p>
             <a:fld id="{F8603CE1-EAD9-436A-A7C8-CB9C8BC82CBB}" type="datetimeFigureOut">
               <a:rPr lang="en-US" smtClean="0"/>
-              <a:t>5/11/2022</a:t>
+              <a:t>7/7/2022</a:t>
             </a:fld>
             <a:endParaRPr lang="en-US"/>
           </a:p>
@@ -4179,7 +4179,7 @@
           <a:p>
             <a:fld id="{F8603CE1-EAD9-436A-A7C8-CB9C8BC82CBB}" type="datetimeFigureOut">
               <a:rPr lang="en-US" smtClean="0"/>
-              <a:t>5/11/2022</a:t>
+              <a:t>7/7/2022</a:t>
             </a:fld>
             <a:endParaRPr lang="en-US"/>
           </a:p>
@@ -4531,7 +4531,7 @@
           <a:p>
             <a:fld id="{F8603CE1-EAD9-436A-A7C8-CB9C8BC82CBB}" type="datetimeFigureOut">
               <a:rPr lang="en-US" smtClean="0"/>
-              <a:t>5/11/2022</a:t>
+              <a:t>7/7/2022</a:t>
             </a:fld>
             <a:endParaRPr lang="en-US"/>
           </a:p>
@@ -4911,7 +4911,7 @@
           <a:p>
             <a:fld id="{F8603CE1-EAD9-436A-A7C8-CB9C8BC82CBB}" type="datetimeFigureOut">
               <a:rPr lang="en-US" smtClean="0"/>
-              <a:t>5/11/2022</a:t>
+              <a:t>7/7/2022</a:t>
             </a:fld>
             <a:endParaRPr lang="en-US"/>
           </a:p>
@@ -5196,7 +5196,7 @@
           <a:p>
             <a:fld id="{F8603CE1-EAD9-436A-A7C8-CB9C8BC82CBB}" type="datetimeFigureOut">
               <a:rPr lang="en-US" smtClean="0"/>
-              <a:t>5/11/2022</a:t>
+              <a:t>7/7/2022</a:t>
             </a:fld>
             <a:endParaRPr lang="en-US"/>
           </a:p>
@@ -5771,13 +5771,8 @@
           <a:p>
             <a:r>
               <a:rPr lang="en-US" dirty="0"/>
-              <a:t>Bogdan </a:t>
-            </a:r>
-            <a:r>
-              <a:rPr lang="en-US" dirty="0" err="1"/>
-              <a:t>loukanov</a:t>
-            </a:r>
-            <a:endParaRPr lang="en-US" dirty="0"/>
+              <a:t>A Project Led by Bogdan Loukanov</a:t>
+            </a:r>
           </a:p>
         </p:txBody>
       </p:sp>
@@ -8403,6 +8398,21 @@
 </file>
 
 <file path=customXml/item1.xml><?xml version="1.0" encoding="utf-8"?>
+<?mso-contentType ?>
+<FormTemplates xmlns="http://schemas.microsoft.com/sharepoint/v3/contenttype/forms">
+  <Display>DocumentLibraryForm</Display>
+  <Edit>DocumentLibraryForm</Edit>
+  <New>DocumentLibraryForm</New>
+</FormTemplates>
+</file>
+
+<file path=customXml/item2.xml><?xml version="1.0" encoding="utf-8"?>
+<p:properties xmlns:p="http://schemas.microsoft.com/office/2006/metadata/properties" xmlns:xsi="http://www.w3.org/2001/XMLSchema-instance" xmlns:pc="http://schemas.microsoft.com/office/infopath/2007/PartnerControls">
+  <documentManagement/>
+</p:properties>
+</file>
+
+<file path=customXml/item3.xml><?xml version="1.0" encoding="utf-8"?>
 <ct:contentTypeSchema xmlns:ct="http://schemas.microsoft.com/office/2006/metadata/contentType" xmlns:ma="http://schemas.microsoft.com/office/2006/metadata/properties/metaAttributes" ct:_="" ma:_="" ma:contentTypeName="Document" ma:contentTypeID="0x01010004728441E46AD34E893E98B9B1F408AC" ma:contentTypeVersion="4" ma:contentTypeDescription="Create a new document." ma:contentTypeScope="" ma:versionID="c6d882db35c5d1ad69bc35ed2839cb9c">
   <xsd:schema xmlns:xsd="http://www.w3.org/2001/XMLSchema" xmlns:xs="http://www.w3.org/2001/XMLSchema" xmlns:p="http://schemas.microsoft.com/office/2006/metadata/properties" xmlns:ns2="b7ebe116-cc26-4e4a-8a13-a2ce3765e708" targetNamespace="http://schemas.microsoft.com/office/2006/metadata/properties" ma:root="true" ma:fieldsID="3c1729a61f77ed2df559a7ab80dd04a7" ns2:_="">
     <xsd:import namespace="b7ebe116-cc26-4e4a-8a13-a2ce3765e708"/>
@@ -8548,35 +8558,10 @@
 </ct:contentTypeSchema>
 </file>
 
-<file path=customXml/item2.xml><?xml version="1.0" encoding="utf-8"?>
-<p:properties xmlns:p="http://schemas.microsoft.com/office/2006/metadata/properties" xmlns:xsi="http://www.w3.org/2001/XMLSchema-instance" xmlns:pc="http://schemas.microsoft.com/office/infopath/2007/PartnerControls">
-  <documentManagement/>
-</p:properties>
-</file>
-
-<file path=customXml/item3.xml><?xml version="1.0" encoding="utf-8"?>
-<?mso-contentType ?>
-<FormTemplates xmlns="http://schemas.microsoft.com/sharepoint/v3/contenttype/forms">
-  <Display>DocumentLibraryForm</Display>
-  <Edit>DocumentLibraryForm</Edit>
-  <New>DocumentLibraryForm</New>
-</FormTemplates>
-</file>
-
 <file path=customXml/itemProps1.xml><?xml version="1.0" encoding="utf-8"?>
-<ds:datastoreItem xmlns:ds="http://schemas.openxmlformats.org/officeDocument/2006/customXml" ds:itemID="{80D8A01E-2648-487C-9215-A9E97E315701}">
+<ds:datastoreItem xmlns:ds="http://schemas.openxmlformats.org/officeDocument/2006/customXml" ds:itemID="{53CFDCF1-AF7D-4444-93AA-843B4B59B525}">
   <ds:schemaRefs>
-    <ds:schemaRef ds:uri="b7ebe116-cc26-4e4a-8a13-a2ce3765e708"/>
-    <ds:schemaRef ds:uri="http://purl.org/dc/elements/1.1/"/>
-    <ds:schemaRef ds:uri="http://purl.org/dc/terms/"/>
-    <ds:schemaRef ds:uri="http://schemas.microsoft.com/internal/obd"/>
-    <ds:schemaRef ds:uri="http://schemas.microsoft.com/office/2006/documentManagement/types"/>
-    <ds:schemaRef ds:uri="http://schemas.microsoft.com/office/2006/metadata/contentType"/>
-    <ds:schemaRef ds:uri="http://schemas.microsoft.com/office/2006/metadata/properties"/>
-    <ds:schemaRef ds:uri="http://schemas.microsoft.com/office/2006/metadata/properties/metaAttributes"/>
-    <ds:schemaRef ds:uri="http://schemas.microsoft.com/office/infopath/2007/PartnerControls"/>
-    <ds:schemaRef ds:uri="http://schemas.openxmlformats.org/package/2006/metadata/core-properties"/>
-    <ds:schemaRef ds:uri="http://www.w3.org/2001/XMLSchema"/>
+    <ds:schemaRef ds:uri="http://schemas.microsoft.com/sharepoint/v3/contenttype/forms"/>
   </ds:schemaRefs>
 </ds:datastoreItem>
 </file>
@@ -8598,9 +8583,19 @@
 </file>
 
 <file path=customXml/itemProps3.xml><?xml version="1.0" encoding="utf-8"?>
-<ds:datastoreItem xmlns:ds="http://schemas.openxmlformats.org/officeDocument/2006/customXml" ds:itemID="{53CFDCF1-AF7D-4444-93AA-843B4B59B525}">
+<ds:datastoreItem xmlns:ds="http://schemas.openxmlformats.org/officeDocument/2006/customXml" ds:itemID="{80D8A01E-2648-487C-9215-A9E97E315701}">
   <ds:schemaRefs>
-    <ds:schemaRef ds:uri="http://schemas.microsoft.com/sharepoint/v3/contenttype/forms"/>
+    <ds:schemaRef ds:uri="b7ebe116-cc26-4e4a-8a13-a2ce3765e708"/>
+    <ds:schemaRef ds:uri="http://purl.org/dc/elements/1.1/"/>
+    <ds:schemaRef ds:uri="http://purl.org/dc/terms/"/>
+    <ds:schemaRef ds:uri="http://schemas.microsoft.com/internal/obd"/>
+    <ds:schemaRef ds:uri="http://schemas.microsoft.com/office/2006/documentManagement/types"/>
+    <ds:schemaRef ds:uri="http://schemas.microsoft.com/office/2006/metadata/contentType"/>
+    <ds:schemaRef ds:uri="http://schemas.microsoft.com/office/2006/metadata/properties"/>
+    <ds:schemaRef ds:uri="http://schemas.microsoft.com/office/2006/metadata/properties/metaAttributes"/>
+    <ds:schemaRef ds:uri="http://schemas.microsoft.com/office/infopath/2007/PartnerControls"/>
+    <ds:schemaRef ds:uri="http://schemas.openxmlformats.org/package/2006/metadata/core-properties"/>
+    <ds:schemaRef ds:uri="http://www.w3.org/2001/XMLSchema"/>
   </ds:schemaRefs>
 </ds:datastoreItem>
 </file>